--- a/ppt 16-9/0319.擘生命饼.pptx
+++ b/ppt 16-9/0319.擘生命饼.pptx
@@ -129,7 +129,7 @@
           <p:cNvPr id="2" name="标题 1">
             <a:extLst>
               <a:ext uri="{FF2B5EF4-FFF2-40B4-BE49-F238E27FC236}">
-                <a16:creationId xmlns:a16="http://schemas.microsoft.com/office/drawing/2014/main" id="{B3DF26CB-284C-AFE1-4E0F-3B8EDC464F56}"/>
+                <a16:creationId xmlns:a16="http://schemas.microsoft.com/office/drawing/2014/main" id="{DABE2D4C-0322-A278-C349-3208DA76467E}"/>
               </a:ext>
             </a:extLst>
           </p:cNvPr>
@@ -166,7 +166,7 @@
           <p:cNvPr id="3" name="副标题 2">
             <a:extLst>
               <a:ext uri="{FF2B5EF4-FFF2-40B4-BE49-F238E27FC236}">
-                <a16:creationId xmlns:a16="http://schemas.microsoft.com/office/drawing/2014/main" id="{54B8B278-805C-EFDA-CF99-7F3444CD663D}"/>
+                <a16:creationId xmlns:a16="http://schemas.microsoft.com/office/drawing/2014/main" id="{60E00E22-4CA0-7B8F-ECAE-1D10EF9047BF}"/>
               </a:ext>
             </a:extLst>
           </p:cNvPr>
@@ -236,7 +236,7 @@
           <p:cNvPr id="4" name="日期占位符 3">
             <a:extLst>
               <a:ext uri="{FF2B5EF4-FFF2-40B4-BE49-F238E27FC236}">
-                <a16:creationId xmlns:a16="http://schemas.microsoft.com/office/drawing/2014/main" id="{9D745E55-987B-5B3C-EA6D-9F3403B4F3BD}"/>
+                <a16:creationId xmlns:a16="http://schemas.microsoft.com/office/drawing/2014/main" id="{E5AE14B7-C57D-EC10-929E-AB799EF39249}"/>
               </a:ext>
             </a:extLst>
           </p:cNvPr>
@@ -252,7 +252,7 @@
           <a:bodyPr/>
           <a:lstStyle/>
           <a:p>
-            <a:fld id="{2477F5E9-3656-42C9-B826-24488BD45E47}" type="datetimeFigureOut">
+            <a:fld id="{CC998719-CDE6-4ACF-8098-D257F8D66C35}" type="datetimeFigureOut">
               <a:rPr lang="zh-CN" altLang="en-US" smtClean="0"/>
               <a:t>2024/3/10</a:t>
             </a:fld>
@@ -265,7 +265,7 @@
           <p:cNvPr id="5" name="页脚占位符 4">
             <a:extLst>
               <a:ext uri="{FF2B5EF4-FFF2-40B4-BE49-F238E27FC236}">
-                <a16:creationId xmlns:a16="http://schemas.microsoft.com/office/drawing/2014/main" id="{F177D905-889F-7FD8-F622-2D78F361E079}"/>
+                <a16:creationId xmlns:a16="http://schemas.microsoft.com/office/drawing/2014/main" id="{54CD7161-D483-5A57-8D0B-283B36ECB12D}"/>
               </a:ext>
             </a:extLst>
           </p:cNvPr>
@@ -290,7 +290,7 @@
           <p:cNvPr id="6" name="灯片编号占位符 5">
             <a:extLst>
               <a:ext uri="{FF2B5EF4-FFF2-40B4-BE49-F238E27FC236}">
-                <a16:creationId xmlns:a16="http://schemas.microsoft.com/office/drawing/2014/main" id="{A2410679-D697-7F83-D7A8-3C6CB19EC28C}"/>
+                <a16:creationId xmlns:a16="http://schemas.microsoft.com/office/drawing/2014/main" id="{0335C453-C91F-4243-AAFD-0220C3D4AE36}"/>
               </a:ext>
             </a:extLst>
           </p:cNvPr>
@@ -306,7 +306,7 @@
           <a:bodyPr/>
           <a:lstStyle/>
           <a:p>
-            <a:fld id="{ACEF2FD0-570E-4C36-99E6-1C94853B6A9C}" type="slidenum">
+            <a:fld id="{A95ED76E-49F2-4078-BA2B-E2080679C42E}" type="slidenum">
               <a:rPr lang="zh-CN" altLang="en-US" smtClean="0"/>
               <a:t>‹#›</a:t>
             </a:fld>
@@ -317,7 +317,7 @@
     </p:spTree>
     <p:extLst>
       <p:ext uri="{BB962C8B-B14F-4D97-AF65-F5344CB8AC3E}">
-        <p14:creationId xmlns:p14="http://schemas.microsoft.com/office/powerpoint/2010/main" val="2694791164"/>
+        <p14:creationId xmlns:p14="http://schemas.microsoft.com/office/powerpoint/2010/main" val="1538719275"/>
       </p:ext>
     </p:extLst>
   </p:cSld>
@@ -349,7 +349,7 @@
           <p:cNvPr id="2" name="标题 1">
             <a:extLst>
               <a:ext uri="{FF2B5EF4-FFF2-40B4-BE49-F238E27FC236}">
-                <a16:creationId xmlns:a16="http://schemas.microsoft.com/office/drawing/2014/main" id="{64F7462B-1422-6670-2C51-3D71AA40B5BB}"/>
+                <a16:creationId xmlns:a16="http://schemas.microsoft.com/office/drawing/2014/main" id="{6EEF21DF-8407-ED74-5CFA-74DB715B0A18}"/>
               </a:ext>
             </a:extLst>
           </p:cNvPr>
@@ -377,7 +377,7 @@
           <p:cNvPr id="3" name="竖排文字占位符 2">
             <a:extLst>
               <a:ext uri="{FF2B5EF4-FFF2-40B4-BE49-F238E27FC236}">
-                <a16:creationId xmlns:a16="http://schemas.microsoft.com/office/drawing/2014/main" id="{203AB308-4D00-B94A-1DD5-6A0AF2B12AF6}"/>
+                <a16:creationId xmlns:a16="http://schemas.microsoft.com/office/drawing/2014/main" id="{11B09F0D-6D58-5379-9701-D4201B1913D6}"/>
               </a:ext>
             </a:extLst>
           </p:cNvPr>
@@ -434,7 +434,7 @@
           <p:cNvPr id="4" name="日期占位符 3">
             <a:extLst>
               <a:ext uri="{FF2B5EF4-FFF2-40B4-BE49-F238E27FC236}">
-                <a16:creationId xmlns:a16="http://schemas.microsoft.com/office/drawing/2014/main" id="{68676856-99CB-1724-977D-7B859F9042D9}"/>
+                <a16:creationId xmlns:a16="http://schemas.microsoft.com/office/drawing/2014/main" id="{703A96C9-59D3-FE94-8A3A-EC9D737043EE}"/>
               </a:ext>
             </a:extLst>
           </p:cNvPr>
@@ -450,7 +450,7 @@
           <a:bodyPr/>
           <a:lstStyle/>
           <a:p>
-            <a:fld id="{2477F5E9-3656-42C9-B826-24488BD45E47}" type="datetimeFigureOut">
+            <a:fld id="{CC998719-CDE6-4ACF-8098-D257F8D66C35}" type="datetimeFigureOut">
               <a:rPr lang="zh-CN" altLang="en-US" smtClean="0"/>
               <a:t>2024/3/10</a:t>
             </a:fld>
@@ -463,7 +463,7 @@
           <p:cNvPr id="5" name="页脚占位符 4">
             <a:extLst>
               <a:ext uri="{FF2B5EF4-FFF2-40B4-BE49-F238E27FC236}">
-                <a16:creationId xmlns:a16="http://schemas.microsoft.com/office/drawing/2014/main" id="{1534079B-2BAB-72C7-A8AA-A5BB75871B46}"/>
+                <a16:creationId xmlns:a16="http://schemas.microsoft.com/office/drawing/2014/main" id="{6C2DC888-D597-9986-6F9D-B114D449D49F}"/>
               </a:ext>
             </a:extLst>
           </p:cNvPr>
@@ -488,7 +488,7 @@
           <p:cNvPr id="6" name="灯片编号占位符 5">
             <a:extLst>
               <a:ext uri="{FF2B5EF4-FFF2-40B4-BE49-F238E27FC236}">
-                <a16:creationId xmlns:a16="http://schemas.microsoft.com/office/drawing/2014/main" id="{79922B2E-01C9-A932-C137-417E505B0D6C}"/>
+                <a16:creationId xmlns:a16="http://schemas.microsoft.com/office/drawing/2014/main" id="{1DDEAD40-4081-CC00-9722-ECADBAEEB3AA}"/>
               </a:ext>
             </a:extLst>
           </p:cNvPr>
@@ -504,7 +504,7 @@
           <a:bodyPr/>
           <a:lstStyle/>
           <a:p>
-            <a:fld id="{ACEF2FD0-570E-4C36-99E6-1C94853B6A9C}" type="slidenum">
+            <a:fld id="{A95ED76E-49F2-4078-BA2B-E2080679C42E}" type="slidenum">
               <a:rPr lang="zh-CN" altLang="en-US" smtClean="0"/>
               <a:t>‹#›</a:t>
             </a:fld>
@@ -515,7 +515,7 @@
     </p:spTree>
     <p:extLst>
       <p:ext uri="{BB962C8B-B14F-4D97-AF65-F5344CB8AC3E}">
-        <p14:creationId xmlns:p14="http://schemas.microsoft.com/office/powerpoint/2010/main" val="2820819595"/>
+        <p14:creationId xmlns:p14="http://schemas.microsoft.com/office/powerpoint/2010/main" val="2498653735"/>
       </p:ext>
     </p:extLst>
   </p:cSld>
@@ -547,7 +547,7 @@
           <p:cNvPr id="2" name="竖排标题 1">
             <a:extLst>
               <a:ext uri="{FF2B5EF4-FFF2-40B4-BE49-F238E27FC236}">
-                <a16:creationId xmlns:a16="http://schemas.microsoft.com/office/drawing/2014/main" id="{0F72D897-E9EC-DA34-388F-098201A9306E}"/>
+                <a16:creationId xmlns:a16="http://schemas.microsoft.com/office/drawing/2014/main" id="{407BFFA6-E116-EA5C-E7EB-6F14D8AB7357}"/>
               </a:ext>
             </a:extLst>
           </p:cNvPr>
@@ -580,7 +580,7 @@
           <p:cNvPr id="3" name="竖排文字占位符 2">
             <a:extLst>
               <a:ext uri="{FF2B5EF4-FFF2-40B4-BE49-F238E27FC236}">
-                <a16:creationId xmlns:a16="http://schemas.microsoft.com/office/drawing/2014/main" id="{C8728FC5-BBB3-3BD6-2986-C43A3765526E}"/>
+                <a16:creationId xmlns:a16="http://schemas.microsoft.com/office/drawing/2014/main" id="{B115A13F-5EEB-F0CB-520E-0D34B9B6F811}"/>
               </a:ext>
             </a:extLst>
           </p:cNvPr>
@@ -642,7 +642,7 @@
           <p:cNvPr id="4" name="日期占位符 3">
             <a:extLst>
               <a:ext uri="{FF2B5EF4-FFF2-40B4-BE49-F238E27FC236}">
-                <a16:creationId xmlns:a16="http://schemas.microsoft.com/office/drawing/2014/main" id="{5F2F738A-B810-5A67-239E-72E7FED79A0A}"/>
+                <a16:creationId xmlns:a16="http://schemas.microsoft.com/office/drawing/2014/main" id="{5CE03482-4B7A-A912-81A0-D7C2B675ED45}"/>
               </a:ext>
             </a:extLst>
           </p:cNvPr>
@@ -658,7 +658,7 @@
           <a:bodyPr/>
           <a:lstStyle/>
           <a:p>
-            <a:fld id="{2477F5E9-3656-42C9-B826-24488BD45E47}" type="datetimeFigureOut">
+            <a:fld id="{CC998719-CDE6-4ACF-8098-D257F8D66C35}" type="datetimeFigureOut">
               <a:rPr lang="zh-CN" altLang="en-US" smtClean="0"/>
               <a:t>2024/3/10</a:t>
             </a:fld>
@@ -671,7 +671,7 @@
           <p:cNvPr id="5" name="页脚占位符 4">
             <a:extLst>
               <a:ext uri="{FF2B5EF4-FFF2-40B4-BE49-F238E27FC236}">
-                <a16:creationId xmlns:a16="http://schemas.microsoft.com/office/drawing/2014/main" id="{CF752416-9C74-4A42-A2C6-4E2D77F7C96F}"/>
+                <a16:creationId xmlns:a16="http://schemas.microsoft.com/office/drawing/2014/main" id="{730D594C-FE62-A98F-9C00-843465A022F5}"/>
               </a:ext>
             </a:extLst>
           </p:cNvPr>
@@ -696,7 +696,7 @@
           <p:cNvPr id="6" name="灯片编号占位符 5">
             <a:extLst>
               <a:ext uri="{FF2B5EF4-FFF2-40B4-BE49-F238E27FC236}">
-                <a16:creationId xmlns:a16="http://schemas.microsoft.com/office/drawing/2014/main" id="{6EAA7AEA-BF0E-FC28-D50C-E7A0DC390144}"/>
+                <a16:creationId xmlns:a16="http://schemas.microsoft.com/office/drawing/2014/main" id="{1F1F578D-8B53-87D7-3CEC-81ABA1CD58E0}"/>
               </a:ext>
             </a:extLst>
           </p:cNvPr>
@@ -712,7 +712,7 @@
           <a:bodyPr/>
           <a:lstStyle/>
           <a:p>
-            <a:fld id="{ACEF2FD0-570E-4C36-99E6-1C94853B6A9C}" type="slidenum">
+            <a:fld id="{A95ED76E-49F2-4078-BA2B-E2080679C42E}" type="slidenum">
               <a:rPr lang="zh-CN" altLang="en-US" smtClean="0"/>
               <a:t>‹#›</a:t>
             </a:fld>
@@ -723,7 +723,7 @@
     </p:spTree>
     <p:extLst>
       <p:ext uri="{BB962C8B-B14F-4D97-AF65-F5344CB8AC3E}">
-        <p14:creationId xmlns:p14="http://schemas.microsoft.com/office/powerpoint/2010/main" val="2536968274"/>
+        <p14:creationId xmlns:p14="http://schemas.microsoft.com/office/powerpoint/2010/main" val="437610822"/>
       </p:ext>
     </p:extLst>
   </p:cSld>
@@ -755,7 +755,7 @@
           <p:cNvPr id="2" name="标题 1">
             <a:extLst>
               <a:ext uri="{FF2B5EF4-FFF2-40B4-BE49-F238E27FC236}">
-                <a16:creationId xmlns:a16="http://schemas.microsoft.com/office/drawing/2014/main" id="{5111530E-7338-5721-751F-3E0218EF6558}"/>
+                <a16:creationId xmlns:a16="http://schemas.microsoft.com/office/drawing/2014/main" id="{CF7364D1-9FB5-CB92-5D41-FE7CE5237BBF}"/>
               </a:ext>
             </a:extLst>
           </p:cNvPr>
@@ -783,7 +783,7 @@
           <p:cNvPr id="3" name="内容占位符 2">
             <a:extLst>
               <a:ext uri="{FF2B5EF4-FFF2-40B4-BE49-F238E27FC236}">
-                <a16:creationId xmlns:a16="http://schemas.microsoft.com/office/drawing/2014/main" id="{59BF4850-CB81-F3FB-70A7-77644CADE595}"/>
+                <a16:creationId xmlns:a16="http://schemas.microsoft.com/office/drawing/2014/main" id="{E9646EF7-6879-61C0-6E69-FDA026745A1C}"/>
               </a:ext>
             </a:extLst>
           </p:cNvPr>
@@ -840,7 +840,7 @@
           <p:cNvPr id="4" name="日期占位符 3">
             <a:extLst>
               <a:ext uri="{FF2B5EF4-FFF2-40B4-BE49-F238E27FC236}">
-                <a16:creationId xmlns:a16="http://schemas.microsoft.com/office/drawing/2014/main" id="{DE8F1880-DB79-1DC0-B4D8-0C504D7FCCE9}"/>
+                <a16:creationId xmlns:a16="http://schemas.microsoft.com/office/drawing/2014/main" id="{B5B8E6A4-F239-6D2D-2296-4BE4751CE7AC}"/>
               </a:ext>
             </a:extLst>
           </p:cNvPr>
@@ -856,7 +856,7 @@
           <a:bodyPr/>
           <a:lstStyle/>
           <a:p>
-            <a:fld id="{2477F5E9-3656-42C9-B826-24488BD45E47}" type="datetimeFigureOut">
+            <a:fld id="{CC998719-CDE6-4ACF-8098-D257F8D66C35}" type="datetimeFigureOut">
               <a:rPr lang="zh-CN" altLang="en-US" smtClean="0"/>
               <a:t>2024/3/10</a:t>
             </a:fld>
@@ -869,7 +869,7 @@
           <p:cNvPr id="5" name="页脚占位符 4">
             <a:extLst>
               <a:ext uri="{FF2B5EF4-FFF2-40B4-BE49-F238E27FC236}">
-                <a16:creationId xmlns:a16="http://schemas.microsoft.com/office/drawing/2014/main" id="{79A8FD19-52CB-D34F-3270-D64EFD76B14B}"/>
+                <a16:creationId xmlns:a16="http://schemas.microsoft.com/office/drawing/2014/main" id="{E9FB5AFD-E3A5-25C4-9F83-11E0B3B722E4}"/>
               </a:ext>
             </a:extLst>
           </p:cNvPr>
@@ -894,7 +894,7 @@
           <p:cNvPr id="6" name="灯片编号占位符 5">
             <a:extLst>
               <a:ext uri="{FF2B5EF4-FFF2-40B4-BE49-F238E27FC236}">
-                <a16:creationId xmlns:a16="http://schemas.microsoft.com/office/drawing/2014/main" id="{6B6AA1A7-D0BA-089D-F882-A4BF930F129A}"/>
+                <a16:creationId xmlns:a16="http://schemas.microsoft.com/office/drawing/2014/main" id="{D267B472-B2A5-8A0E-2016-B14AC8A0A663}"/>
               </a:ext>
             </a:extLst>
           </p:cNvPr>
@@ -910,7 +910,7 @@
           <a:bodyPr/>
           <a:lstStyle/>
           <a:p>
-            <a:fld id="{ACEF2FD0-570E-4C36-99E6-1C94853B6A9C}" type="slidenum">
+            <a:fld id="{A95ED76E-49F2-4078-BA2B-E2080679C42E}" type="slidenum">
               <a:rPr lang="zh-CN" altLang="en-US" smtClean="0"/>
               <a:t>‹#›</a:t>
             </a:fld>
@@ -921,7 +921,7 @@
     </p:spTree>
     <p:extLst>
       <p:ext uri="{BB962C8B-B14F-4D97-AF65-F5344CB8AC3E}">
-        <p14:creationId xmlns:p14="http://schemas.microsoft.com/office/powerpoint/2010/main" val="4221072860"/>
+        <p14:creationId xmlns:p14="http://schemas.microsoft.com/office/powerpoint/2010/main" val="3583520340"/>
       </p:ext>
     </p:extLst>
   </p:cSld>
@@ -953,7 +953,7 @@
           <p:cNvPr id="2" name="标题 1">
             <a:extLst>
               <a:ext uri="{FF2B5EF4-FFF2-40B4-BE49-F238E27FC236}">
-                <a16:creationId xmlns:a16="http://schemas.microsoft.com/office/drawing/2014/main" id="{58D1A915-0332-B1BE-3564-D9AF08D06007}"/>
+                <a16:creationId xmlns:a16="http://schemas.microsoft.com/office/drawing/2014/main" id="{A09177C2-288A-E356-F42F-324134598CF9}"/>
               </a:ext>
             </a:extLst>
           </p:cNvPr>
@@ -990,7 +990,7 @@
           <p:cNvPr id="3" name="文本占位符 2">
             <a:extLst>
               <a:ext uri="{FF2B5EF4-FFF2-40B4-BE49-F238E27FC236}">
-                <a16:creationId xmlns:a16="http://schemas.microsoft.com/office/drawing/2014/main" id="{BDAC79D3-37E3-F9F8-0829-808BC00209B4}"/>
+                <a16:creationId xmlns:a16="http://schemas.microsoft.com/office/drawing/2014/main" id="{33884F76-E484-74CF-9D3B-A02C2DC9FF3B}"/>
               </a:ext>
             </a:extLst>
           </p:cNvPr>
@@ -1115,7 +1115,7 @@
           <p:cNvPr id="4" name="日期占位符 3">
             <a:extLst>
               <a:ext uri="{FF2B5EF4-FFF2-40B4-BE49-F238E27FC236}">
-                <a16:creationId xmlns:a16="http://schemas.microsoft.com/office/drawing/2014/main" id="{880F4342-414D-BAE7-1BDC-45FD3003C78C}"/>
+                <a16:creationId xmlns:a16="http://schemas.microsoft.com/office/drawing/2014/main" id="{F092F9AA-E013-3039-AF78-000504432F69}"/>
               </a:ext>
             </a:extLst>
           </p:cNvPr>
@@ -1131,7 +1131,7 @@
           <a:bodyPr/>
           <a:lstStyle/>
           <a:p>
-            <a:fld id="{2477F5E9-3656-42C9-B826-24488BD45E47}" type="datetimeFigureOut">
+            <a:fld id="{CC998719-CDE6-4ACF-8098-D257F8D66C35}" type="datetimeFigureOut">
               <a:rPr lang="zh-CN" altLang="en-US" smtClean="0"/>
               <a:t>2024/3/10</a:t>
             </a:fld>
@@ -1144,7 +1144,7 @@
           <p:cNvPr id="5" name="页脚占位符 4">
             <a:extLst>
               <a:ext uri="{FF2B5EF4-FFF2-40B4-BE49-F238E27FC236}">
-                <a16:creationId xmlns:a16="http://schemas.microsoft.com/office/drawing/2014/main" id="{2F92BBA0-49FA-DCD7-B3BA-739EFEFFAFD4}"/>
+                <a16:creationId xmlns:a16="http://schemas.microsoft.com/office/drawing/2014/main" id="{8EA65FB7-643A-79FE-A983-F060C5F0D660}"/>
               </a:ext>
             </a:extLst>
           </p:cNvPr>
@@ -1169,7 +1169,7 @@
           <p:cNvPr id="6" name="灯片编号占位符 5">
             <a:extLst>
               <a:ext uri="{FF2B5EF4-FFF2-40B4-BE49-F238E27FC236}">
-                <a16:creationId xmlns:a16="http://schemas.microsoft.com/office/drawing/2014/main" id="{F56DC63B-B70E-E861-52C4-EF2536232AB6}"/>
+                <a16:creationId xmlns:a16="http://schemas.microsoft.com/office/drawing/2014/main" id="{9C6D4082-6DDF-BC4E-B6C3-E7A866FC074A}"/>
               </a:ext>
             </a:extLst>
           </p:cNvPr>
@@ -1185,7 +1185,7 @@
           <a:bodyPr/>
           <a:lstStyle/>
           <a:p>
-            <a:fld id="{ACEF2FD0-570E-4C36-99E6-1C94853B6A9C}" type="slidenum">
+            <a:fld id="{A95ED76E-49F2-4078-BA2B-E2080679C42E}" type="slidenum">
               <a:rPr lang="zh-CN" altLang="en-US" smtClean="0"/>
               <a:t>‹#›</a:t>
             </a:fld>
@@ -1196,7 +1196,7 @@
     </p:spTree>
     <p:extLst>
       <p:ext uri="{BB962C8B-B14F-4D97-AF65-F5344CB8AC3E}">
-        <p14:creationId xmlns:p14="http://schemas.microsoft.com/office/powerpoint/2010/main" val="260748864"/>
+        <p14:creationId xmlns:p14="http://schemas.microsoft.com/office/powerpoint/2010/main" val="1302509602"/>
       </p:ext>
     </p:extLst>
   </p:cSld>
@@ -1228,7 +1228,7 @@
           <p:cNvPr id="2" name="标题 1">
             <a:extLst>
               <a:ext uri="{FF2B5EF4-FFF2-40B4-BE49-F238E27FC236}">
-                <a16:creationId xmlns:a16="http://schemas.microsoft.com/office/drawing/2014/main" id="{CC1390D9-1CF9-83E3-FB26-DEF25E8AD391}"/>
+                <a16:creationId xmlns:a16="http://schemas.microsoft.com/office/drawing/2014/main" id="{54908E5E-9868-FB57-E179-173C9D165101}"/>
               </a:ext>
             </a:extLst>
           </p:cNvPr>
@@ -1256,7 +1256,7 @@
           <p:cNvPr id="3" name="内容占位符 2">
             <a:extLst>
               <a:ext uri="{FF2B5EF4-FFF2-40B4-BE49-F238E27FC236}">
-                <a16:creationId xmlns:a16="http://schemas.microsoft.com/office/drawing/2014/main" id="{308EA70D-5816-F970-EC91-42A4C90BA95D}"/>
+                <a16:creationId xmlns:a16="http://schemas.microsoft.com/office/drawing/2014/main" id="{51645FB1-B498-158E-1EE9-87E87F0A22BE}"/>
               </a:ext>
             </a:extLst>
           </p:cNvPr>
@@ -1318,7 +1318,7 @@
           <p:cNvPr id="4" name="内容占位符 3">
             <a:extLst>
               <a:ext uri="{FF2B5EF4-FFF2-40B4-BE49-F238E27FC236}">
-                <a16:creationId xmlns:a16="http://schemas.microsoft.com/office/drawing/2014/main" id="{02C4BA0D-57B3-BDFF-6DE9-79074646E120}"/>
+                <a16:creationId xmlns:a16="http://schemas.microsoft.com/office/drawing/2014/main" id="{1457EC52-A828-AA4E-5D5D-75A6B3AE6E26}"/>
               </a:ext>
             </a:extLst>
           </p:cNvPr>
@@ -1380,7 +1380,7 @@
           <p:cNvPr id="5" name="日期占位符 4">
             <a:extLst>
               <a:ext uri="{FF2B5EF4-FFF2-40B4-BE49-F238E27FC236}">
-                <a16:creationId xmlns:a16="http://schemas.microsoft.com/office/drawing/2014/main" id="{DC06B00C-7EB8-4DEA-0887-A3B00B1D0652}"/>
+                <a16:creationId xmlns:a16="http://schemas.microsoft.com/office/drawing/2014/main" id="{EF575CFF-4AEF-7DFC-98DD-198448CC2B52}"/>
               </a:ext>
             </a:extLst>
           </p:cNvPr>
@@ -1396,7 +1396,7 @@
           <a:bodyPr/>
           <a:lstStyle/>
           <a:p>
-            <a:fld id="{2477F5E9-3656-42C9-B826-24488BD45E47}" type="datetimeFigureOut">
+            <a:fld id="{CC998719-CDE6-4ACF-8098-D257F8D66C35}" type="datetimeFigureOut">
               <a:rPr lang="zh-CN" altLang="en-US" smtClean="0"/>
               <a:t>2024/3/10</a:t>
             </a:fld>
@@ -1409,7 +1409,7 @@
           <p:cNvPr id="6" name="页脚占位符 5">
             <a:extLst>
               <a:ext uri="{FF2B5EF4-FFF2-40B4-BE49-F238E27FC236}">
-                <a16:creationId xmlns:a16="http://schemas.microsoft.com/office/drawing/2014/main" id="{5914ACDE-65FA-E291-29E7-8FEAE2A3BC8D}"/>
+                <a16:creationId xmlns:a16="http://schemas.microsoft.com/office/drawing/2014/main" id="{0D2458B2-DE83-293D-92C2-8AC04CA1DBE8}"/>
               </a:ext>
             </a:extLst>
           </p:cNvPr>
@@ -1434,7 +1434,7 @@
           <p:cNvPr id="7" name="灯片编号占位符 6">
             <a:extLst>
               <a:ext uri="{FF2B5EF4-FFF2-40B4-BE49-F238E27FC236}">
-                <a16:creationId xmlns:a16="http://schemas.microsoft.com/office/drawing/2014/main" id="{512CE60A-4311-049E-1D2C-E5971904DA51}"/>
+                <a16:creationId xmlns:a16="http://schemas.microsoft.com/office/drawing/2014/main" id="{2198C190-C8D6-1057-652A-BD6D282063C2}"/>
               </a:ext>
             </a:extLst>
           </p:cNvPr>
@@ -1450,7 +1450,7 @@
           <a:bodyPr/>
           <a:lstStyle/>
           <a:p>
-            <a:fld id="{ACEF2FD0-570E-4C36-99E6-1C94853B6A9C}" type="slidenum">
+            <a:fld id="{A95ED76E-49F2-4078-BA2B-E2080679C42E}" type="slidenum">
               <a:rPr lang="zh-CN" altLang="en-US" smtClean="0"/>
               <a:t>‹#›</a:t>
             </a:fld>
@@ -1461,7 +1461,7 @@
     </p:spTree>
     <p:extLst>
       <p:ext uri="{BB962C8B-B14F-4D97-AF65-F5344CB8AC3E}">
-        <p14:creationId xmlns:p14="http://schemas.microsoft.com/office/powerpoint/2010/main" val="3699524405"/>
+        <p14:creationId xmlns:p14="http://schemas.microsoft.com/office/powerpoint/2010/main" val="1827643308"/>
       </p:ext>
     </p:extLst>
   </p:cSld>
@@ -1493,7 +1493,7 @@
           <p:cNvPr id="2" name="标题 1">
             <a:extLst>
               <a:ext uri="{FF2B5EF4-FFF2-40B4-BE49-F238E27FC236}">
-                <a16:creationId xmlns:a16="http://schemas.microsoft.com/office/drawing/2014/main" id="{2A366D85-4039-75CC-2B83-A9C35ECF4903}"/>
+                <a16:creationId xmlns:a16="http://schemas.microsoft.com/office/drawing/2014/main" id="{94397AB4-EEF1-2F29-0A8C-334ABFF37247}"/>
               </a:ext>
             </a:extLst>
           </p:cNvPr>
@@ -1526,7 +1526,7 @@
           <p:cNvPr id="3" name="文本占位符 2">
             <a:extLst>
               <a:ext uri="{FF2B5EF4-FFF2-40B4-BE49-F238E27FC236}">
-                <a16:creationId xmlns:a16="http://schemas.microsoft.com/office/drawing/2014/main" id="{7BE66615-043A-161B-1C35-8349C017DA5D}"/>
+                <a16:creationId xmlns:a16="http://schemas.microsoft.com/office/drawing/2014/main" id="{AA2C93C0-13F6-628A-7332-EFBE534F3B3E}"/>
               </a:ext>
             </a:extLst>
           </p:cNvPr>
@@ -1597,7 +1597,7 @@
           <p:cNvPr id="4" name="内容占位符 3">
             <a:extLst>
               <a:ext uri="{FF2B5EF4-FFF2-40B4-BE49-F238E27FC236}">
-                <a16:creationId xmlns:a16="http://schemas.microsoft.com/office/drawing/2014/main" id="{E9C9EDA4-FC90-3723-384F-EF841980DC83}"/>
+                <a16:creationId xmlns:a16="http://schemas.microsoft.com/office/drawing/2014/main" id="{59300E31-E1BB-6A32-3BEB-1A66F3FDF166}"/>
               </a:ext>
             </a:extLst>
           </p:cNvPr>
@@ -1659,7 +1659,7 @@
           <p:cNvPr id="5" name="文本占位符 4">
             <a:extLst>
               <a:ext uri="{FF2B5EF4-FFF2-40B4-BE49-F238E27FC236}">
-                <a16:creationId xmlns:a16="http://schemas.microsoft.com/office/drawing/2014/main" id="{107FE58E-E0FB-B9E3-A413-D277CB29C7A8}"/>
+                <a16:creationId xmlns:a16="http://schemas.microsoft.com/office/drawing/2014/main" id="{5E16D2FA-15A8-8135-2C40-FD3FDCC4CF5D}"/>
               </a:ext>
             </a:extLst>
           </p:cNvPr>
@@ -1730,7 +1730,7 @@
           <p:cNvPr id="6" name="内容占位符 5">
             <a:extLst>
               <a:ext uri="{FF2B5EF4-FFF2-40B4-BE49-F238E27FC236}">
-                <a16:creationId xmlns:a16="http://schemas.microsoft.com/office/drawing/2014/main" id="{D6B91AAF-B2E6-036A-7BA9-6C74E9DE86E7}"/>
+                <a16:creationId xmlns:a16="http://schemas.microsoft.com/office/drawing/2014/main" id="{79CCF1B4-3536-E66C-6ABB-C9E43094FC11}"/>
               </a:ext>
             </a:extLst>
           </p:cNvPr>
@@ -1792,7 +1792,7 @@
           <p:cNvPr id="7" name="日期占位符 6">
             <a:extLst>
               <a:ext uri="{FF2B5EF4-FFF2-40B4-BE49-F238E27FC236}">
-                <a16:creationId xmlns:a16="http://schemas.microsoft.com/office/drawing/2014/main" id="{4CC19B92-656F-CA1C-7CF3-E8CC5C7EB3C8}"/>
+                <a16:creationId xmlns:a16="http://schemas.microsoft.com/office/drawing/2014/main" id="{D48C3343-2746-A6C9-C823-63AB04429E8E}"/>
               </a:ext>
             </a:extLst>
           </p:cNvPr>
@@ -1808,7 +1808,7 @@
           <a:bodyPr/>
           <a:lstStyle/>
           <a:p>
-            <a:fld id="{2477F5E9-3656-42C9-B826-24488BD45E47}" type="datetimeFigureOut">
+            <a:fld id="{CC998719-CDE6-4ACF-8098-D257F8D66C35}" type="datetimeFigureOut">
               <a:rPr lang="zh-CN" altLang="en-US" smtClean="0"/>
               <a:t>2024/3/10</a:t>
             </a:fld>
@@ -1821,7 +1821,7 @@
           <p:cNvPr id="8" name="页脚占位符 7">
             <a:extLst>
               <a:ext uri="{FF2B5EF4-FFF2-40B4-BE49-F238E27FC236}">
-                <a16:creationId xmlns:a16="http://schemas.microsoft.com/office/drawing/2014/main" id="{D06C696B-7C70-63B8-9461-54DB59DEF2E7}"/>
+                <a16:creationId xmlns:a16="http://schemas.microsoft.com/office/drawing/2014/main" id="{4E651255-4842-CAE4-7C1B-07D63E17F295}"/>
               </a:ext>
             </a:extLst>
           </p:cNvPr>
@@ -1846,7 +1846,7 @@
           <p:cNvPr id="9" name="灯片编号占位符 8">
             <a:extLst>
               <a:ext uri="{FF2B5EF4-FFF2-40B4-BE49-F238E27FC236}">
-                <a16:creationId xmlns:a16="http://schemas.microsoft.com/office/drawing/2014/main" id="{6CC5728C-4C48-E1F9-17D3-27F43AAE21E7}"/>
+                <a16:creationId xmlns:a16="http://schemas.microsoft.com/office/drawing/2014/main" id="{40BBEFC9-3035-9DB0-4AB4-56F8806DEED1}"/>
               </a:ext>
             </a:extLst>
           </p:cNvPr>
@@ -1862,7 +1862,7 @@
           <a:bodyPr/>
           <a:lstStyle/>
           <a:p>
-            <a:fld id="{ACEF2FD0-570E-4C36-99E6-1C94853B6A9C}" type="slidenum">
+            <a:fld id="{A95ED76E-49F2-4078-BA2B-E2080679C42E}" type="slidenum">
               <a:rPr lang="zh-CN" altLang="en-US" smtClean="0"/>
               <a:t>‹#›</a:t>
             </a:fld>
@@ -1873,7 +1873,7 @@
     </p:spTree>
     <p:extLst>
       <p:ext uri="{BB962C8B-B14F-4D97-AF65-F5344CB8AC3E}">
-        <p14:creationId xmlns:p14="http://schemas.microsoft.com/office/powerpoint/2010/main" val="1381245749"/>
+        <p14:creationId xmlns:p14="http://schemas.microsoft.com/office/powerpoint/2010/main" val="1979983217"/>
       </p:ext>
     </p:extLst>
   </p:cSld>
@@ -1905,7 +1905,7 @@
           <p:cNvPr id="2" name="标题 1">
             <a:extLst>
               <a:ext uri="{FF2B5EF4-FFF2-40B4-BE49-F238E27FC236}">
-                <a16:creationId xmlns:a16="http://schemas.microsoft.com/office/drawing/2014/main" id="{DDC85BB6-4AC9-B2E1-7AB6-AC7217FE01FD}"/>
+                <a16:creationId xmlns:a16="http://schemas.microsoft.com/office/drawing/2014/main" id="{91E1F4FA-A97A-1FCD-38DA-3D6EE50D8C29}"/>
               </a:ext>
             </a:extLst>
           </p:cNvPr>
@@ -1933,7 +1933,7 @@
           <p:cNvPr id="3" name="日期占位符 2">
             <a:extLst>
               <a:ext uri="{FF2B5EF4-FFF2-40B4-BE49-F238E27FC236}">
-                <a16:creationId xmlns:a16="http://schemas.microsoft.com/office/drawing/2014/main" id="{D245DF9A-229C-3146-49F2-499E04FBF991}"/>
+                <a16:creationId xmlns:a16="http://schemas.microsoft.com/office/drawing/2014/main" id="{93D2C656-C7E6-6401-1257-C83BCB1A61E0}"/>
               </a:ext>
             </a:extLst>
           </p:cNvPr>
@@ -1949,7 +1949,7 @@
           <a:bodyPr/>
           <a:lstStyle/>
           <a:p>
-            <a:fld id="{2477F5E9-3656-42C9-B826-24488BD45E47}" type="datetimeFigureOut">
+            <a:fld id="{CC998719-CDE6-4ACF-8098-D257F8D66C35}" type="datetimeFigureOut">
               <a:rPr lang="zh-CN" altLang="en-US" smtClean="0"/>
               <a:t>2024/3/10</a:t>
             </a:fld>
@@ -1962,7 +1962,7 @@
           <p:cNvPr id="4" name="页脚占位符 3">
             <a:extLst>
               <a:ext uri="{FF2B5EF4-FFF2-40B4-BE49-F238E27FC236}">
-                <a16:creationId xmlns:a16="http://schemas.microsoft.com/office/drawing/2014/main" id="{12719CE9-E9EC-193F-A22B-1DA8F49965B9}"/>
+                <a16:creationId xmlns:a16="http://schemas.microsoft.com/office/drawing/2014/main" id="{8B91E027-F474-0E28-2749-1F941DF5BCBA}"/>
               </a:ext>
             </a:extLst>
           </p:cNvPr>
@@ -1987,7 +1987,7 @@
           <p:cNvPr id="5" name="灯片编号占位符 4">
             <a:extLst>
               <a:ext uri="{FF2B5EF4-FFF2-40B4-BE49-F238E27FC236}">
-                <a16:creationId xmlns:a16="http://schemas.microsoft.com/office/drawing/2014/main" id="{55DF56F8-9F9E-6C4B-4810-06CBB14EE7BB}"/>
+                <a16:creationId xmlns:a16="http://schemas.microsoft.com/office/drawing/2014/main" id="{69974A2B-796F-8E93-D67D-E63643F13520}"/>
               </a:ext>
             </a:extLst>
           </p:cNvPr>
@@ -2003,7 +2003,7 @@
           <a:bodyPr/>
           <a:lstStyle/>
           <a:p>
-            <a:fld id="{ACEF2FD0-570E-4C36-99E6-1C94853B6A9C}" type="slidenum">
+            <a:fld id="{A95ED76E-49F2-4078-BA2B-E2080679C42E}" type="slidenum">
               <a:rPr lang="zh-CN" altLang="en-US" smtClean="0"/>
               <a:t>‹#›</a:t>
             </a:fld>
@@ -2014,7 +2014,7 @@
     </p:spTree>
     <p:extLst>
       <p:ext uri="{BB962C8B-B14F-4D97-AF65-F5344CB8AC3E}">
-        <p14:creationId xmlns:p14="http://schemas.microsoft.com/office/powerpoint/2010/main" val="1154118904"/>
+        <p14:creationId xmlns:p14="http://schemas.microsoft.com/office/powerpoint/2010/main" val="3655532761"/>
       </p:ext>
     </p:extLst>
   </p:cSld>
@@ -2046,7 +2046,7 @@
           <p:cNvPr id="2" name="日期占位符 1">
             <a:extLst>
               <a:ext uri="{FF2B5EF4-FFF2-40B4-BE49-F238E27FC236}">
-                <a16:creationId xmlns:a16="http://schemas.microsoft.com/office/drawing/2014/main" id="{ED752394-A5CA-2E4B-B35F-8129E71ED071}"/>
+                <a16:creationId xmlns:a16="http://schemas.microsoft.com/office/drawing/2014/main" id="{C300E408-6A63-1D23-0E2C-CC1C2D6A9D81}"/>
               </a:ext>
             </a:extLst>
           </p:cNvPr>
@@ -2062,7 +2062,7 @@
           <a:bodyPr/>
           <a:lstStyle/>
           <a:p>
-            <a:fld id="{2477F5E9-3656-42C9-B826-24488BD45E47}" type="datetimeFigureOut">
+            <a:fld id="{CC998719-CDE6-4ACF-8098-D257F8D66C35}" type="datetimeFigureOut">
               <a:rPr lang="zh-CN" altLang="en-US" smtClean="0"/>
               <a:t>2024/3/10</a:t>
             </a:fld>
@@ -2075,7 +2075,7 @@
           <p:cNvPr id="3" name="页脚占位符 2">
             <a:extLst>
               <a:ext uri="{FF2B5EF4-FFF2-40B4-BE49-F238E27FC236}">
-                <a16:creationId xmlns:a16="http://schemas.microsoft.com/office/drawing/2014/main" id="{04B5B9F5-F51B-C6FA-ECF6-7EC1749F5438}"/>
+                <a16:creationId xmlns:a16="http://schemas.microsoft.com/office/drawing/2014/main" id="{C9976341-0E20-9846-329D-E4D9B8B8CDE1}"/>
               </a:ext>
             </a:extLst>
           </p:cNvPr>
@@ -2100,7 +2100,7 @@
           <p:cNvPr id="4" name="灯片编号占位符 3">
             <a:extLst>
               <a:ext uri="{FF2B5EF4-FFF2-40B4-BE49-F238E27FC236}">
-                <a16:creationId xmlns:a16="http://schemas.microsoft.com/office/drawing/2014/main" id="{D9CD8186-D6BE-D6AA-DCE9-D39EA7ED95F5}"/>
+                <a16:creationId xmlns:a16="http://schemas.microsoft.com/office/drawing/2014/main" id="{DA77ED11-7D52-9696-153C-E4DF0935EE2E}"/>
               </a:ext>
             </a:extLst>
           </p:cNvPr>
@@ -2116,7 +2116,7 @@
           <a:bodyPr/>
           <a:lstStyle/>
           <a:p>
-            <a:fld id="{ACEF2FD0-570E-4C36-99E6-1C94853B6A9C}" type="slidenum">
+            <a:fld id="{A95ED76E-49F2-4078-BA2B-E2080679C42E}" type="slidenum">
               <a:rPr lang="zh-CN" altLang="en-US" smtClean="0"/>
               <a:t>‹#›</a:t>
             </a:fld>
@@ -2127,7 +2127,7 @@
     </p:spTree>
     <p:extLst>
       <p:ext uri="{BB962C8B-B14F-4D97-AF65-F5344CB8AC3E}">
-        <p14:creationId xmlns:p14="http://schemas.microsoft.com/office/powerpoint/2010/main" val="738242959"/>
+        <p14:creationId xmlns:p14="http://schemas.microsoft.com/office/powerpoint/2010/main" val="577442960"/>
       </p:ext>
     </p:extLst>
   </p:cSld>
@@ -2159,7 +2159,7 @@
           <p:cNvPr id="2" name="标题 1">
             <a:extLst>
               <a:ext uri="{FF2B5EF4-FFF2-40B4-BE49-F238E27FC236}">
-                <a16:creationId xmlns:a16="http://schemas.microsoft.com/office/drawing/2014/main" id="{1E1F731C-94CD-0FEA-1025-4C85CF7CAD1F}"/>
+                <a16:creationId xmlns:a16="http://schemas.microsoft.com/office/drawing/2014/main" id="{1561C023-B5DD-E768-1BFF-4B36C5F6E1DF}"/>
               </a:ext>
             </a:extLst>
           </p:cNvPr>
@@ -2196,7 +2196,7 @@
           <p:cNvPr id="3" name="内容占位符 2">
             <a:extLst>
               <a:ext uri="{FF2B5EF4-FFF2-40B4-BE49-F238E27FC236}">
-                <a16:creationId xmlns:a16="http://schemas.microsoft.com/office/drawing/2014/main" id="{6E4B7C53-210D-E7A3-5716-DA4FEA339240}"/>
+                <a16:creationId xmlns:a16="http://schemas.microsoft.com/office/drawing/2014/main" id="{7D032057-8EC3-F078-10B2-03D9AC6D696F}"/>
               </a:ext>
             </a:extLst>
           </p:cNvPr>
@@ -2286,7 +2286,7 @@
           <p:cNvPr id="4" name="文本占位符 3">
             <a:extLst>
               <a:ext uri="{FF2B5EF4-FFF2-40B4-BE49-F238E27FC236}">
-                <a16:creationId xmlns:a16="http://schemas.microsoft.com/office/drawing/2014/main" id="{F280576D-C83F-308C-0677-9927B4575253}"/>
+                <a16:creationId xmlns:a16="http://schemas.microsoft.com/office/drawing/2014/main" id="{E7CB17E4-9EAE-0AB7-F5A7-0E8BDFA394F7}"/>
               </a:ext>
             </a:extLst>
           </p:cNvPr>
@@ -2357,7 +2357,7 @@
           <p:cNvPr id="5" name="日期占位符 4">
             <a:extLst>
               <a:ext uri="{FF2B5EF4-FFF2-40B4-BE49-F238E27FC236}">
-                <a16:creationId xmlns:a16="http://schemas.microsoft.com/office/drawing/2014/main" id="{3E4308BE-1ABC-5A25-1CFF-23C22584193E}"/>
+                <a16:creationId xmlns:a16="http://schemas.microsoft.com/office/drawing/2014/main" id="{C6540DA2-CDA5-B6B9-E557-82E5A43F3C4A}"/>
               </a:ext>
             </a:extLst>
           </p:cNvPr>
@@ -2373,7 +2373,7 @@
           <a:bodyPr/>
           <a:lstStyle/>
           <a:p>
-            <a:fld id="{2477F5E9-3656-42C9-B826-24488BD45E47}" type="datetimeFigureOut">
+            <a:fld id="{CC998719-CDE6-4ACF-8098-D257F8D66C35}" type="datetimeFigureOut">
               <a:rPr lang="zh-CN" altLang="en-US" smtClean="0"/>
               <a:t>2024/3/10</a:t>
             </a:fld>
@@ -2386,7 +2386,7 @@
           <p:cNvPr id="6" name="页脚占位符 5">
             <a:extLst>
               <a:ext uri="{FF2B5EF4-FFF2-40B4-BE49-F238E27FC236}">
-                <a16:creationId xmlns:a16="http://schemas.microsoft.com/office/drawing/2014/main" id="{2E12DF2D-7DD2-99B0-FA88-79540713D489}"/>
+                <a16:creationId xmlns:a16="http://schemas.microsoft.com/office/drawing/2014/main" id="{C34BF094-A35C-1CBF-6F62-D96A1CB6DA81}"/>
               </a:ext>
             </a:extLst>
           </p:cNvPr>
@@ -2411,7 +2411,7 @@
           <p:cNvPr id="7" name="灯片编号占位符 6">
             <a:extLst>
               <a:ext uri="{FF2B5EF4-FFF2-40B4-BE49-F238E27FC236}">
-                <a16:creationId xmlns:a16="http://schemas.microsoft.com/office/drawing/2014/main" id="{90E8E5DE-84DC-1CEA-D43A-A187DFAEE9DD}"/>
+                <a16:creationId xmlns:a16="http://schemas.microsoft.com/office/drawing/2014/main" id="{0DA2F88E-44C5-5C56-9D65-42829021C55E}"/>
               </a:ext>
             </a:extLst>
           </p:cNvPr>
@@ -2427,7 +2427,7 @@
           <a:bodyPr/>
           <a:lstStyle/>
           <a:p>
-            <a:fld id="{ACEF2FD0-570E-4C36-99E6-1C94853B6A9C}" type="slidenum">
+            <a:fld id="{A95ED76E-49F2-4078-BA2B-E2080679C42E}" type="slidenum">
               <a:rPr lang="zh-CN" altLang="en-US" smtClean="0"/>
               <a:t>‹#›</a:t>
             </a:fld>
@@ -2438,7 +2438,7 @@
     </p:spTree>
     <p:extLst>
       <p:ext uri="{BB962C8B-B14F-4D97-AF65-F5344CB8AC3E}">
-        <p14:creationId xmlns:p14="http://schemas.microsoft.com/office/powerpoint/2010/main" val="244107197"/>
+        <p14:creationId xmlns:p14="http://schemas.microsoft.com/office/powerpoint/2010/main" val="599468370"/>
       </p:ext>
     </p:extLst>
   </p:cSld>
@@ -2470,7 +2470,7 @@
           <p:cNvPr id="2" name="标题 1">
             <a:extLst>
               <a:ext uri="{FF2B5EF4-FFF2-40B4-BE49-F238E27FC236}">
-                <a16:creationId xmlns:a16="http://schemas.microsoft.com/office/drawing/2014/main" id="{E2F6E605-5D17-88D7-F528-513B3ADE5467}"/>
+                <a16:creationId xmlns:a16="http://schemas.microsoft.com/office/drawing/2014/main" id="{E19C1FED-02EE-DF6A-8F83-9E1CD1A88355}"/>
               </a:ext>
             </a:extLst>
           </p:cNvPr>
@@ -2507,7 +2507,7 @@
           <p:cNvPr id="3" name="图片占位符 2">
             <a:extLst>
               <a:ext uri="{FF2B5EF4-FFF2-40B4-BE49-F238E27FC236}">
-                <a16:creationId xmlns:a16="http://schemas.microsoft.com/office/drawing/2014/main" id="{462ABB0D-04C2-4C23-C388-18D42BA22CE6}"/>
+                <a16:creationId xmlns:a16="http://schemas.microsoft.com/office/drawing/2014/main" id="{3C57CA38-A494-FFCC-37B2-534D4CE4027A}"/>
               </a:ext>
             </a:extLst>
           </p:cNvPr>
@@ -2574,7 +2574,7 @@
           <p:cNvPr id="4" name="文本占位符 3">
             <a:extLst>
               <a:ext uri="{FF2B5EF4-FFF2-40B4-BE49-F238E27FC236}">
-                <a16:creationId xmlns:a16="http://schemas.microsoft.com/office/drawing/2014/main" id="{55F7CDE6-D477-C2FB-9BFE-E16C2B91D705}"/>
+                <a16:creationId xmlns:a16="http://schemas.microsoft.com/office/drawing/2014/main" id="{D65656F9-7717-CE62-E3ED-CCE0ABD5F1E8}"/>
               </a:ext>
             </a:extLst>
           </p:cNvPr>
@@ -2645,7 +2645,7 @@
           <p:cNvPr id="5" name="日期占位符 4">
             <a:extLst>
               <a:ext uri="{FF2B5EF4-FFF2-40B4-BE49-F238E27FC236}">
-                <a16:creationId xmlns:a16="http://schemas.microsoft.com/office/drawing/2014/main" id="{197E1F9F-8234-C853-E1BD-10B0F4A45066}"/>
+                <a16:creationId xmlns:a16="http://schemas.microsoft.com/office/drawing/2014/main" id="{080A22CF-5B40-DBAF-BB53-FA20660C31EF}"/>
               </a:ext>
             </a:extLst>
           </p:cNvPr>
@@ -2661,7 +2661,7 @@
           <a:bodyPr/>
           <a:lstStyle/>
           <a:p>
-            <a:fld id="{2477F5E9-3656-42C9-B826-24488BD45E47}" type="datetimeFigureOut">
+            <a:fld id="{CC998719-CDE6-4ACF-8098-D257F8D66C35}" type="datetimeFigureOut">
               <a:rPr lang="zh-CN" altLang="en-US" smtClean="0"/>
               <a:t>2024/3/10</a:t>
             </a:fld>
@@ -2674,7 +2674,7 @@
           <p:cNvPr id="6" name="页脚占位符 5">
             <a:extLst>
               <a:ext uri="{FF2B5EF4-FFF2-40B4-BE49-F238E27FC236}">
-                <a16:creationId xmlns:a16="http://schemas.microsoft.com/office/drawing/2014/main" id="{D53BB7DA-B205-DD4B-97E5-67D9058F13C8}"/>
+                <a16:creationId xmlns:a16="http://schemas.microsoft.com/office/drawing/2014/main" id="{2A68B566-1A67-FD84-758E-ABCC772C0C85}"/>
               </a:ext>
             </a:extLst>
           </p:cNvPr>
@@ -2699,7 +2699,7 @@
           <p:cNvPr id="7" name="灯片编号占位符 6">
             <a:extLst>
               <a:ext uri="{FF2B5EF4-FFF2-40B4-BE49-F238E27FC236}">
-                <a16:creationId xmlns:a16="http://schemas.microsoft.com/office/drawing/2014/main" id="{CD292C37-F22C-47C5-E393-C957579032B5}"/>
+                <a16:creationId xmlns:a16="http://schemas.microsoft.com/office/drawing/2014/main" id="{98332218-7414-EEC7-FDA4-679AF7160855}"/>
               </a:ext>
             </a:extLst>
           </p:cNvPr>
@@ -2715,7 +2715,7 @@
           <a:bodyPr/>
           <a:lstStyle/>
           <a:p>
-            <a:fld id="{ACEF2FD0-570E-4C36-99E6-1C94853B6A9C}" type="slidenum">
+            <a:fld id="{A95ED76E-49F2-4078-BA2B-E2080679C42E}" type="slidenum">
               <a:rPr lang="zh-CN" altLang="en-US" smtClean="0"/>
               <a:t>‹#›</a:t>
             </a:fld>
@@ -2726,7 +2726,7 @@
     </p:spTree>
     <p:extLst>
       <p:ext uri="{BB962C8B-B14F-4D97-AF65-F5344CB8AC3E}">
-        <p14:creationId xmlns:p14="http://schemas.microsoft.com/office/powerpoint/2010/main" val="1136099580"/>
+        <p14:creationId xmlns:p14="http://schemas.microsoft.com/office/powerpoint/2010/main" val="888566576"/>
       </p:ext>
     </p:extLst>
   </p:cSld>
@@ -2763,7 +2763,7 @@
           <p:cNvPr id="2" name="标题占位符 1">
             <a:extLst>
               <a:ext uri="{FF2B5EF4-FFF2-40B4-BE49-F238E27FC236}">
-                <a16:creationId xmlns:a16="http://schemas.microsoft.com/office/drawing/2014/main" id="{D3BC3093-FC7C-184D-5348-F005D3E2BFCD}"/>
+                <a16:creationId xmlns:a16="http://schemas.microsoft.com/office/drawing/2014/main" id="{8199C96A-DB70-EF72-55A2-49162747A176}"/>
               </a:ext>
             </a:extLst>
           </p:cNvPr>
@@ -2801,7 +2801,7 @@
           <p:cNvPr id="3" name="文本占位符 2">
             <a:extLst>
               <a:ext uri="{FF2B5EF4-FFF2-40B4-BE49-F238E27FC236}">
-                <a16:creationId xmlns:a16="http://schemas.microsoft.com/office/drawing/2014/main" id="{E325E09D-5A0E-D471-96A1-5CB7062A7AF1}"/>
+                <a16:creationId xmlns:a16="http://schemas.microsoft.com/office/drawing/2014/main" id="{B0B0096C-4E80-0BF8-16D9-DDF77474FE47}"/>
               </a:ext>
             </a:extLst>
           </p:cNvPr>
@@ -2868,7 +2868,7 @@
           <p:cNvPr id="4" name="日期占位符 3">
             <a:extLst>
               <a:ext uri="{FF2B5EF4-FFF2-40B4-BE49-F238E27FC236}">
-                <a16:creationId xmlns:a16="http://schemas.microsoft.com/office/drawing/2014/main" id="{600078D0-4162-F22E-19AB-656A8EC695A0}"/>
+                <a16:creationId xmlns:a16="http://schemas.microsoft.com/office/drawing/2014/main" id="{83B11481-DFA3-1A68-36B8-0D001EA75638}"/>
               </a:ext>
             </a:extLst>
           </p:cNvPr>
@@ -2902,7 +2902,7 @@
             </a:lvl1pPr>
           </a:lstStyle>
           <a:p>
-            <a:fld id="{2477F5E9-3656-42C9-B826-24488BD45E47}" type="datetimeFigureOut">
+            <a:fld id="{CC998719-CDE6-4ACF-8098-D257F8D66C35}" type="datetimeFigureOut">
               <a:rPr lang="zh-CN" altLang="en-US" smtClean="0"/>
               <a:t>2024/3/10</a:t>
             </a:fld>
@@ -2915,7 +2915,7 @@
           <p:cNvPr id="5" name="页脚占位符 4">
             <a:extLst>
               <a:ext uri="{FF2B5EF4-FFF2-40B4-BE49-F238E27FC236}">
-                <a16:creationId xmlns:a16="http://schemas.microsoft.com/office/drawing/2014/main" id="{E0128660-DAD8-4F84-41DE-B2619E5CC230}"/>
+                <a16:creationId xmlns:a16="http://schemas.microsoft.com/office/drawing/2014/main" id="{4347D469-F7FF-0F85-4985-BCB6549AFBFA}"/>
               </a:ext>
             </a:extLst>
           </p:cNvPr>
@@ -2958,7 +2958,7 @@
           <p:cNvPr id="6" name="灯片编号占位符 5">
             <a:extLst>
               <a:ext uri="{FF2B5EF4-FFF2-40B4-BE49-F238E27FC236}">
-                <a16:creationId xmlns:a16="http://schemas.microsoft.com/office/drawing/2014/main" id="{E6511CF8-6508-54EC-48E1-5192491333F5}"/>
+                <a16:creationId xmlns:a16="http://schemas.microsoft.com/office/drawing/2014/main" id="{EB88D5DD-88E6-C30E-6B3C-F590AC49CF1B}"/>
               </a:ext>
             </a:extLst>
           </p:cNvPr>
@@ -2992,7 +2992,7 @@
             </a:lvl1pPr>
           </a:lstStyle>
           <a:p>
-            <a:fld id="{ACEF2FD0-570E-4C36-99E6-1C94853B6A9C}" type="slidenum">
+            <a:fld id="{A95ED76E-49F2-4078-BA2B-E2080679C42E}" type="slidenum">
               <a:rPr lang="zh-CN" altLang="en-US" smtClean="0"/>
               <a:t>‹#›</a:t>
             </a:fld>
@@ -3003,7 +3003,7 @@
     </p:spTree>
     <p:extLst>
       <p:ext uri="{BB962C8B-B14F-4D97-AF65-F5344CB8AC3E}">
-        <p14:creationId xmlns:p14="http://schemas.microsoft.com/office/powerpoint/2010/main" val="31729846"/>
+        <p14:creationId xmlns:p14="http://schemas.microsoft.com/office/powerpoint/2010/main" val="3889814805"/>
       </p:ext>
     </p:extLst>
   </p:cSld>
